--- a/React/lesson_22/Presentation/ES6_7.pptx
+++ b/React/lesson_22/Presentation/ES6_7.pptx
@@ -213,7 +213,7 @@
           <a:p>
             <a:fld id="{E26B27EB-47D6-4C6A-8EB0-BE2CD1DB03FD}" type="datetimeFigureOut">
               <a:rPr lang="uk-UA" smtClean="0"/>
-              <a:t>11.09.2016</a:t>
+              <a:t>08.05.2017</a:t>
             </a:fld>
             <a:endParaRPr lang="uk-UA"/>
           </a:p>
@@ -2187,7 +2187,7 @@
                 </a:solidFill>
                 <a:latin typeface="Calibri Light" panose="020F0302020204030204" pitchFamily="34" charset="0"/>
               </a:rPr>
-              <a:t>EcmaScript6/7</a:t>
+              <a:t>ECMAScript6/7</a:t>
             </a:r>
             <a:endParaRPr lang="en-US" dirty="0">
               <a:latin typeface="Calibri Light" panose="020F0302020204030204" pitchFamily="34" charset="0"/>
@@ -2316,6 +2316,9 @@
             </a:r>
             <a:r>
               <a:rPr lang="ru-RU" b="1" dirty="0" err="1">
+                <a:solidFill>
+                  <a:srgbClr val="0070C0"/>
+                </a:solidFill>
                 <a:latin typeface="Calibri" pitchFamily="34" charset="0"/>
               </a:rPr>
               <a:t>let</a:t>
@@ -2328,6 +2331,9 @@
             </a:r>
             <a:r>
               <a:rPr lang="ru-RU" b="1" dirty="0" err="1">
+                <a:solidFill>
+                  <a:srgbClr val="0070C0"/>
+                </a:solidFill>
                 <a:latin typeface="Calibri" pitchFamily="34" charset="0"/>
               </a:rPr>
               <a:t>const</a:t>
@@ -2398,6 +2404,9 @@
             </a:r>
             <a:r>
               <a:rPr lang="ru-RU" b="1" dirty="0" err="1">
+                <a:solidFill>
+                  <a:srgbClr val="0070C0"/>
+                </a:solidFill>
                 <a:latin typeface="Calibri" pitchFamily="34" charset="0"/>
               </a:rPr>
               <a:t>let</a:t>
@@ -2457,6 +2466,9 @@
             </a:r>
             <a:r>
               <a:rPr lang="ru-RU" dirty="0" err="1">
+                <a:solidFill>
+                  <a:srgbClr val="0070C0"/>
+                </a:solidFill>
                 <a:latin typeface="Calibri" pitchFamily="34" charset="0"/>
               </a:rPr>
               <a:t>let</a:t>
@@ -2493,6 +2505,9 @@
             </a:r>
             <a:r>
               <a:rPr lang="ru-RU" dirty="0" err="1">
+                <a:solidFill>
+                  <a:srgbClr val="0070C0"/>
+                </a:solidFill>
                 <a:latin typeface="Calibri" pitchFamily="34" charset="0"/>
               </a:rPr>
               <a:t>let</a:t>
@@ -2572,6 +2587,9 @@
             </a:r>
             <a:r>
               <a:rPr lang="ru-RU" b="1" dirty="0" err="1">
+                <a:solidFill>
+                  <a:srgbClr val="0070C0"/>
+                </a:solidFill>
                 <a:latin typeface="Calibri" pitchFamily="34" charset="0"/>
               </a:rPr>
               <a:t>const</a:t>
@@ -2596,6 +2614,9 @@
             </a:r>
             <a:r>
               <a:rPr lang="ru-RU" dirty="0" err="1">
+                <a:solidFill>
+                  <a:srgbClr val="0070C0"/>
+                </a:solidFill>
                 <a:latin typeface="Calibri" pitchFamily="34" charset="0"/>
               </a:rPr>
               <a:t>const</a:t>
@@ -2608,6 +2629,9 @@
             </a:r>
             <a:r>
               <a:rPr lang="ru-RU" dirty="0" err="1">
+                <a:solidFill>
+                  <a:srgbClr val="0070C0"/>
+                </a:solidFill>
                 <a:latin typeface="Calibri" pitchFamily="34" charset="0"/>
               </a:rPr>
               <a:t>let</a:t>
@@ -2858,13 +2882,25 @@
               <a:rPr lang="en-US" dirty="0">
                 <a:latin typeface="Calibri" panose="020F0502020204030204" pitchFamily="34" charset="0"/>
               </a:rPr>
-              <a:t>] = ["</a:t>
+              <a:t>] = [“Ivan</a:t>
             </a:r>
             <a:r>
               <a:rPr lang="uk-UA" dirty="0">
                 <a:latin typeface="Calibri" panose="020F0502020204030204" pitchFamily="34" charset="0"/>
               </a:rPr>
-              <a:t>Илья", "Кантор"];</a:t>
+              <a:t>", "</a:t>
+            </a:r>
+            <a:r>
+              <a:rPr lang="en-US" dirty="0">
+                <a:latin typeface="Calibri" panose="020F0502020204030204" pitchFamily="34" charset="0"/>
+              </a:rPr>
+              <a:t> Ivanov</a:t>
+            </a:r>
+            <a:r>
+              <a:rPr lang="uk-UA" dirty="0">
+                <a:latin typeface="Calibri" panose="020F0502020204030204" pitchFamily="34" charset="0"/>
+              </a:rPr>
+              <a:t>"];</a:t>
             </a:r>
             <a:endParaRPr lang="en-US" dirty="0">
               <a:latin typeface="Calibri" panose="020F0502020204030204" pitchFamily="34" charset="0"/>
@@ -2887,20 +2923,11 @@
               <a:rPr lang="en-US" dirty="0">
                 <a:latin typeface="Calibri" panose="020F0502020204030204" pitchFamily="34" charset="0"/>
               </a:rPr>
-              <a:t>); // </a:t>
-            </a:r>
-            <a:r>
-              <a:rPr lang="uk-UA" dirty="0" err="1">
-                <a:latin typeface="Calibri" panose="020F0502020204030204" pitchFamily="34" charset="0"/>
-              </a:rPr>
-              <a:t>Илья</a:t>
-            </a:r>
-            <a:r>
-              <a:rPr lang="uk-UA" dirty="0">
-                <a:latin typeface="Calibri" panose="020F0502020204030204" pitchFamily="34" charset="0"/>
-              </a:rPr>
-              <a:t> </a:t>
-            </a:r>
+              <a:t>); //Ivan</a:t>
+            </a:r>
+            <a:endParaRPr lang="uk-UA" dirty="0">
+              <a:latin typeface="Calibri" panose="020F0502020204030204" pitchFamily="34" charset="0"/>
+            </a:endParaRPr>
           </a:p>
           <a:p>
             <a:r>
@@ -2919,14 +2946,11 @@
               <a:rPr lang="en-US" dirty="0">
                 <a:latin typeface="Calibri" panose="020F0502020204030204" pitchFamily="34" charset="0"/>
               </a:rPr>
-              <a:t>); // </a:t>
-            </a:r>
-            <a:r>
-              <a:rPr lang="uk-UA" dirty="0">
-                <a:latin typeface="Calibri" panose="020F0502020204030204" pitchFamily="34" charset="0"/>
-              </a:rPr>
-              <a:t>Кантор</a:t>
-            </a:r>
+              <a:t>); //Ivanov</a:t>
+            </a:r>
+            <a:endParaRPr lang="uk-UA" dirty="0">
+              <a:latin typeface="Calibri" panose="020F0502020204030204" pitchFamily="34" charset="0"/>
+            </a:endParaRPr>
           </a:p>
         </p:txBody>
       </p:sp>
@@ -3173,19 +3197,19 @@
               <a:rPr lang="en-US" dirty="0">
                 <a:latin typeface="Calibri" pitchFamily="34" charset="0"/>
               </a:rPr>
-              <a:t>("</a:t>
+              <a:t>(“Website title</a:t>
             </a:r>
             <a:r>
               <a:rPr lang="uk-UA" dirty="0">
                 <a:latin typeface="Calibri" pitchFamily="34" charset="0"/>
               </a:rPr>
-              <a:t>Меню"); // </a:t>
-            </a:r>
-            <a:r>
-              <a:rPr lang="uk-UA" dirty="0" err="1">
-                <a:latin typeface="Calibri" pitchFamily="34" charset="0"/>
-              </a:rPr>
-              <a:t>Меню</a:t>
+              <a:t>"); // </a:t>
+            </a:r>
+            <a:r>
+              <a:rPr lang="en-US" dirty="0">
+                <a:latin typeface="Calibri" pitchFamily="34" charset="0"/>
+              </a:rPr>
+              <a:t>Website title</a:t>
             </a:r>
             <a:r>
               <a:rPr lang="uk-UA" dirty="0">
@@ -3238,7 +3262,11 @@
           <a:p>
             <a:r>
               <a:rPr lang="ru-RU" dirty="0"/>
-              <a:t>Функции-стрелки </a:t>
+              <a:t>Стрелочные функции</a:t>
+            </a:r>
+            <a:r>
+              <a:rPr lang="ru-RU" dirty="0"/>
+              <a:t> </a:t>
             </a:r>
             <a:endParaRPr lang="uk-UA" dirty="0"/>
           </a:p>
@@ -3690,28 +3718,13 @@
               <a:rPr lang="ru-RU" dirty="0">
                 <a:latin typeface="Calibri" pitchFamily="34" charset="0"/>
               </a:rPr>
-              <a:t>Новая ко</a:t>
-            </a:r>
-            <a:r>
-              <a:rPr lang="en-US" dirty="0">
-                <a:latin typeface="Calibri" pitchFamily="34" charset="0"/>
-              </a:rPr>
-              <a:t>a</a:t>
+              <a:t>Новая конструкция </a:t>
             </a:r>
             <a:r>
               <a:rPr lang="ru-RU" dirty="0" err="1">
-                <a:latin typeface="Calibri" pitchFamily="34" charset="0"/>
-              </a:rPr>
-              <a:t>нструкция</a:t>
-            </a:r>
-            <a:r>
-              <a:rPr lang="ru-RU" dirty="0">
-                <a:latin typeface="Calibri" pitchFamily="34" charset="0"/>
-              </a:rPr>
-              <a:t> </a:t>
-            </a:r>
-            <a:r>
-              <a:rPr lang="ru-RU" dirty="0" err="1">
+                <a:solidFill>
+                  <a:srgbClr val="0070C0"/>
+                </a:solidFill>
                 <a:latin typeface="Calibri" pitchFamily="34" charset="0"/>
               </a:rPr>
               <a:t>class</a:t>
@@ -3739,7 +3752,7 @@
         </p:nvSpPr>
         <p:spPr>
           <a:xfrm>
-            <a:off x="755576" y="2204864"/>
+            <a:off x="755576" y="2134836"/>
             <a:ext cx="4320480" cy="1200329"/>
           </a:xfrm>
           <a:prstGeom prst="rect">
@@ -3864,8 +3877,8 @@
         </p:nvSpPr>
         <p:spPr>
           <a:xfrm>
-            <a:off x="611560" y="3717032"/>
-            <a:ext cx="8136904" cy="1200329"/>
+            <a:off x="755576" y="3717032"/>
+            <a:ext cx="7992888" cy="646331"/>
           </a:xfrm>
           <a:prstGeom prst="rect">
             <a:avLst/>
@@ -3879,56 +3892,6 @@
           <a:lstStyle/>
           <a:p>
             <a:r>
-              <a:rPr lang="ru-RU" dirty="0">
-                <a:latin typeface="Calibri" pitchFamily="34" charset="0"/>
-              </a:rPr>
-              <a:t>Также, как и </a:t>
-            </a:r>
-            <a:r>
-              <a:rPr lang="ru-RU" dirty="0" err="1">
-                <a:latin typeface="Calibri" pitchFamily="34" charset="0"/>
-              </a:rPr>
-              <a:t>Function</a:t>
-            </a:r>
-            <a:r>
-              <a:rPr lang="ru-RU" dirty="0">
-                <a:latin typeface="Calibri" pitchFamily="34" charset="0"/>
-              </a:rPr>
-              <a:t> </a:t>
-            </a:r>
-            <a:r>
-              <a:rPr lang="ru-RU" dirty="0" err="1">
-                <a:latin typeface="Calibri" pitchFamily="34" charset="0"/>
-              </a:rPr>
-              <a:t>Expression</a:t>
-            </a:r>
-            <a:r>
-              <a:rPr lang="ru-RU" dirty="0">
-                <a:latin typeface="Calibri" pitchFamily="34" charset="0"/>
-              </a:rPr>
-              <a:t>, классы можно задавать «</a:t>
-            </a:r>
-            <a:r>
-              <a:rPr lang="ru-RU" dirty="0" err="1">
-                <a:latin typeface="Calibri" pitchFamily="34" charset="0"/>
-              </a:rPr>
-              <a:t>инлайн</a:t>
-            </a:r>
-            <a:r>
-              <a:rPr lang="ru-RU" dirty="0">
-                <a:latin typeface="Calibri" pitchFamily="34" charset="0"/>
-              </a:rPr>
-              <a:t>», в любом выражении и внутри вызова функции.</a:t>
-            </a:r>
-          </a:p>
-          <a:p>
-            <a:r>
-              <a:rPr lang="ru-RU" dirty="0">
-                <a:latin typeface="Calibri" pitchFamily="34" charset="0"/>
-              </a:rPr>
-              <a:t>Это называется </a:t>
-            </a:r>
-            <a:r>
               <a:rPr lang="ru-RU" dirty="0" err="1">
                 <a:latin typeface="Calibri" pitchFamily="34" charset="0"/>
               </a:rPr>
@@ -3969,7 +3932,7 @@
         </p:nvSpPr>
         <p:spPr>
           <a:xfrm>
-            <a:off x="683568" y="4941168"/>
+            <a:off x="755576" y="4464933"/>
             <a:ext cx="5040560" cy="1200329"/>
           </a:xfrm>
           <a:prstGeom prst="rect">
